--- a/hangedman/presentation.pptx
+++ b/hangedman/presentation.pptx
@@ -270,7 +270,7 @@
           <a:p>
             <a:fld id="{EC9DFB67-5EAC-4D44-8FA5-5774551448CF}" type="datetimeFigureOut">
               <a:rPr lang="en-US" smtClean="0"/>
-              <a:t>25-Nov-24</a:t>
+              <a:t>26-Nov-24</a:t>
             </a:fld>
             <a:endParaRPr lang="en-US"/>
           </a:p>
@@ -468,7 +468,7 @@
           <a:p>
             <a:fld id="{EC9DFB67-5EAC-4D44-8FA5-5774551448CF}" type="datetimeFigureOut">
               <a:rPr lang="en-US" smtClean="0"/>
-              <a:t>25-Nov-24</a:t>
+              <a:t>26-Nov-24</a:t>
             </a:fld>
             <a:endParaRPr lang="en-US"/>
           </a:p>
@@ -676,7 +676,7 @@
           <a:p>
             <a:fld id="{EC9DFB67-5EAC-4D44-8FA5-5774551448CF}" type="datetimeFigureOut">
               <a:rPr lang="en-US" smtClean="0"/>
-              <a:t>25-Nov-24</a:t>
+              <a:t>26-Nov-24</a:t>
             </a:fld>
             <a:endParaRPr lang="en-US"/>
           </a:p>
@@ -874,7 +874,7 @@
           <a:p>
             <a:fld id="{EC9DFB67-5EAC-4D44-8FA5-5774551448CF}" type="datetimeFigureOut">
               <a:rPr lang="en-US" smtClean="0"/>
-              <a:t>25-Nov-24</a:t>
+              <a:t>26-Nov-24</a:t>
             </a:fld>
             <a:endParaRPr lang="en-US"/>
           </a:p>
@@ -1149,7 +1149,7 @@
           <a:p>
             <a:fld id="{EC9DFB67-5EAC-4D44-8FA5-5774551448CF}" type="datetimeFigureOut">
               <a:rPr lang="en-US" smtClean="0"/>
-              <a:t>25-Nov-24</a:t>
+              <a:t>26-Nov-24</a:t>
             </a:fld>
             <a:endParaRPr lang="en-US"/>
           </a:p>
@@ -1414,7 +1414,7 @@
           <a:p>
             <a:fld id="{EC9DFB67-5EAC-4D44-8FA5-5774551448CF}" type="datetimeFigureOut">
               <a:rPr lang="en-US" smtClean="0"/>
-              <a:t>25-Nov-24</a:t>
+              <a:t>26-Nov-24</a:t>
             </a:fld>
             <a:endParaRPr lang="en-US"/>
           </a:p>
@@ -1826,7 +1826,7 @@
           <a:p>
             <a:fld id="{EC9DFB67-5EAC-4D44-8FA5-5774551448CF}" type="datetimeFigureOut">
               <a:rPr lang="en-US" smtClean="0"/>
-              <a:t>25-Nov-24</a:t>
+              <a:t>26-Nov-24</a:t>
             </a:fld>
             <a:endParaRPr lang="en-US"/>
           </a:p>
@@ -1967,7 +1967,7 @@
           <a:p>
             <a:fld id="{EC9DFB67-5EAC-4D44-8FA5-5774551448CF}" type="datetimeFigureOut">
               <a:rPr lang="en-US" smtClean="0"/>
-              <a:t>25-Nov-24</a:t>
+              <a:t>26-Nov-24</a:t>
             </a:fld>
             <a:endParaRPr lang="en-US"/>
           </a:p>
@@ -2080,7 +2080,7 @@
           <a:p>
             <a:fld id="{EC9DFB67-5EAC-4D44-8FA5-5774551448CF}" type="datetimeFigureOut">
               <a:rPr lang="en-US" smtClean="0"/>
-              <a:t>25-Nov-24</a:t>
+              <a:t>26-Nov-24</a:t>
             </a:fld>
             <a:endParaRPr lang="en-US"/>
           </a:p>
@@ -2391,7 +2391,7 @@
           <a:p>
             <a:fld id="{EC9DFB67-5EAC-4D44-8FA5-5774551448CF}" type="datetimeFigureOut">
               <a:rPr lang="en-US" smtClean="0"/>
-              <a:t>25-Nov-24</a:t>
+              <a:t>26-Nov-24</a:t>
             </a:fld>
             <a:endParaRPr lang="en-US"/>
           </a:p>
@@ -2679,7 +2679,7 @@
           <a:p>
             <a:fld id="{EC9DFB67-5EAC-4D44-8FA5-5774551448CF}" type="datetimeFigureOut">
               <a:rPr lang="en-US" smtClean="0"/>
-              <a:t>25-Nov-24</a:t>
+              <a:t>26-Nov-24</a:t>
             </a:fld>
             <a:endParaRPr lang="en-US"/>
           </a:p>
@@ -2920,7 +2920,7 @@
           <a:p>
             <a:fld id="{EC9DFB67-5EAC-4D44-8FA5-5774551448CF}" type="datetimeFigureOut">
               <a:rPr lang="en-US" smtClean="0"/>
-              <a:t>25-Nov-24</a:t>
+              <a:t>26-Nov-24</a:t>
             </a:fld>
             <a:endParaRPr lang="en-US"/>
           </a:p>
@@ -6720,7 +6720,7 @@
               <a:buNone/>
             </a:pPr>
             <a:r>
-              <a:rPr lang="en-US" sz="2200">
+              <a:rPr lang="en-US" sz="2200" dirty="0">
                 <a:latin typeface="Helvetica" pitchFamily="2" charset="0"/>
               </a:rPr>
               <a:t>Summary:</a:t>
@@ -6728,7 +6728,7 @@
           </a:p>
           <a:p>
             <a:r>
-              <a:rPr lang="en-US" sz="2200">
+              <a:rPr lang="en-US" sz="2200" dirty="0">
                 <a:latin typeface="Helvetica" pitchFamily="2" charset="0"/>
               </a:rPr>
               <a:t>Random word selection.</a:t>
@@ -6736,7 +6736,7 @@
           </a:p>
           <a:p>
             <a:r>
-              <a:rPr lang="en-US" sz="2200">
+              <a:rPr lang="en-US" sz="2200" dirty="0">
                 <a:latin typeface="Helvetica" pitchFamily="2" charset="0"/>
               </a:rPr>
               <a:t>Guessing mechanism.</a:t>
@@ -6744,7 +6744,7 @@
           </a:p>
           <a:p>
             <a:r>
-              <a:rPr lang="en-US" sz="2200">
+              <a:rPr lang="en-US" sz="2200" dirty="0">
                 <a:latin typeface="Helvetica" pitchFamily="2" charset="0"/>
               </a:rPr>
               <a:t>Win/lose conditions.</a:t>
@@ -6754,7 +6754,7 @@
             <a:pPr marL="0" indent="0">
               <a:buNone/>
             </a:pPr>
-            <a:endParaRPr lang="en-US" sz="2200">
+            <a:endParaRPr lang="en-US" sz="2200" dirty="0">
               <a:latin typeface="Helvetica" pitchFamily="2" charset="0"/>
             </a:endParaRPr>
           </a:p>
@@ -6763,15 +6763,15 @@
               <a:buNone/>
             </a:pPr>
             <a:r>
-              <a:rPr lang="en-US" sz="2200">
+              <a:rPr lang="en-US" sz="2200" dirty="0">
                 <a:latin typeface="Helvetica" pitchFamily="2" charset="0"/>
               </a:rPr>
-              <a:t>Future Enhancements:</a:t>
-            </a:r>
-          </a:p>
-          <a:p>
-            <a:r>
-              <a:rPr lang="en-US" sz="2200">
+              <a:t>Possible Future Enhancements:</a:t>
+            </a:r>
+          </a:p>
+          <a:p>
+            <a:r>
+              <a:rPr lang="en-US" sz="2200" dirty="0">
                 <a:latin typeface="Helvetica" pitchFamily="2" charset="0"/>
               </a:rPr>
               <a:t>Add more words.</a:t>
@@ -6779,7 +6779,7 @@
           </a:p>
           <a:p>
             <a:r>
-              <a:rPr lang="en-US" sz="2200">
+              <a:rPr lang="en-US" sz="2200" dirty="0">
                 <a:latin typeface="Helvetica" pitchFamily="2" charset="0"/>
               </a:rPr>
               <a:t>Improve user interface.</a:t>
@@ -6787,7 +6787,7 @@
           </a:p>
           <a:p>
             <a:r>
-              <a:rPr lang="en-US" sz="2200">
+              <a:rPr lang="en-US" sz="2200" dirty="0">
                 <a:latin typeface="Helvetica" pitchFamily="2" charset="0"/>
               </a:rPr>
               <a:t>Difficulty settings.</a:t>
@@ -6797,7 +6797,7 @@
             <a:pPr marL="0" indent="0">
               <a:buNone/>
             </a:pPr>
-            <a:endParaRPr lang="en-US" sz="2200">
+            <a:endParaRPr lang="en-US" sz="2200" dirty="0">
               <a:latin typeface="Helvetica" pitchFamily="2" charset="0"/>
             </a:endParaRPr>
           </a:p>
@@ -10825,7 +10825,7 @@
               <a:rPr lang="en-US" sz="1800" dirty="0">
                 <a:latin typeface="Helvetica" pitchFamily="2" charset="0"/>
               </a:rPr>
-              <a:t>          - String functions for comparison and manipulation.</a:t>
+              <a:t>          - String functions for manipulation.</a:t>
             </a:r>
           </a:p>
           <a:p>
@@ -11754,7 +11754,7 @@
         </p:nvSpPr>
         <p:spPr>
           <a:xfrm>
-            <a:off x="1524000" y="5554398"/>
+            <a:off x="1524000" y="5737609"/>
             <a:ext cx="9144000" cy="786703"/>
           </a:xfrm>
         </p:spPr>
@@ -11774,66 +11774,6 @@
           </a:p>
         </p:txBody>
       </p:sp>
-      <p:pic>
-        <p:nvPicPr>
-          <p:cNvPr id="4" name="Picture 3">
-            <a:extLst>
-              <a:ext uri="{FF2B5EF4-FFF2-40B4-BE49-F238E27FC236}">
-                <a16:creationId xmlns:a16="http://schemas.microsoft.com/office/drawing/2014/main" id="{CD61A8B2-AAB2-6E28-F4F0-79A0C18C45D4}"/>
-              </a:ext>
-            </a:extLst>
-          </p:cNvPr>
-          <p:cNvPicPr>
-            <a:picLocks noChangeAspect="1"/>
-          </p:cNvPicPr>
-          <p:nvPr/>
-        </p:nvPicPr>
-        <p:blipFill>
-          <a:blip r:embed="rId2"/>
-          <a:stretch>
-            <a:fillRect/>
-          </a:stretch>
-        </p:blipFill>
-        <p:spPr>
-          <a:xfrm>
-            <a:off x="2047076" y="516899"/>
-            <a:ext cx="3659883" cy="4902077"/>
-          </a:xfrm>
-          <a:prstGeom prst="rect">
-            <a:avLst/>
-          </a:prstGeom>
-        </p:spPr>
-      </p:pic>
-      <p:pic>
-        <p:nvPicPr>
-          <p:cNvPr id="8" name="Picture 7">
-            <a:extLst>
-              <a:ext uri="{FF2B5EF4-FFF2-40B4-BE49-F238E27FC236}">
-                <a16:creationId xmlns:a16="http://schemas.microsoft.com/office/drawing/2014/main" id="{8B9A3FE5-01EA-0493-7A50-82B5D6F51331}"/>
-              </a:ext>
-            </a:extLst>
-          </p:cNvPr>
-          <p:cNvPicPr>
-            <a:picLocks noChangeAspect="1"/>
-          </p:cNvPicPr>
-          <p:nvPr/>
-        </p:nvPicPr>
-        <p:blipFill>
-          <a:blip r:embed="rId3"/>
-          <a:stretch>
-            <a:fillRect/>
-          </a:stretch>
-        </p:blipFill>
-        <p:spPr>
-          <a:xfrm>
-            <a:off x="6253316" y="567964"/>
-            <a:ext cx="4502459" cy="4799945"/>
-          </a:xfrm>
-          <a:prstGeom prst="rect">
-            <a:avLst/>
-          </a:prstGeom>
-        </p:spPr>
-      </p:pic>
       <p:grpSp>
         <p:nvGrpSpPr>
           <p:cNvPr id="37" name="Group 36">
@@ -12009,120 +11949,6 @@
           </p:txBody>
         </p:sp>
       </p:grpSp>
-      <p:cxnSp>
-        <p:nvCxnSpPr>
-          <p:cNvPr id="17" name="Straight Connector 16">
-            <a:extLst>
-              <a:ext uri="{FF2B5EF4-FFF2-40B4-BE49-F238E27FC236}">
-                <a16:creationId xmlns:a16="http://schemas.microsoft.com/office/drawing/2014/main" id="{F55AA34B-8111-B905-D98F-9EE258836FB5}"/>
-              </a:ext>
-            </a:extLst>
-          </p:cNvPr>
-          <p:cNvCxnSpPr>
-            <a:cxnSpLocks/>
-          </p:cNvCxnSpPr>
-          <p:nvPr/>
-        </p:nvCxnSpPr>
-        <p:spPr>
-          <a:xfrm flipH="1">
-            <a:off x="1602658" y="1672423"/>
-            <a:ext cx="444418" cy="0"/>
-          </a:xfrm>
-          <a:prstGeom prst="line">
-            <a:avLst/>
-          </a:prstGeom>
-        </p:spPr>
-        <p:style>
-          <a:lnRef idx="1">
-            <a:schemeClr val="accent1"/>
-          </a:lnRef>
-          <a:fillRef idx="0">
-            <a:schemeClr val="accent1"/>
-          </a:fillRef>
-          <a:effectRef idx="0">
-            <a:schemeClr val="accent1"/>
-          </a:effectRef>
-          <a:fontRef idx="minor">
-            <a:schemeClr val="tx1"/>
-          </a:fontRef>
-        </p:style>
-      </p:cxnSp>
-      <p:cxnSp>
-        <p:nvCxnSpPr>
-          <p:cNvPr id="22" name="Straight Connector 21">
-            <a:extLst>
-              <a:ext uri="{FF2B5EF4-FFF2-40B4-BE49-F238E27FC236}">
-                <a16:creationId xmlns:a16="http://schemas.microsoft.com/office/drawing/2014/main" id="{BD8E4ED5-1F96-83DA-B23D-D1B9C4D11D45}"/>
-              </a:ext>
-            </a:extLst>
-          </p:cNvPr>
-          <p:cNvCxnSpPr>
-            <a:cxnSpLocks/>
-          </p:cNvCxnSpPr>
-          <p:nvPr/>
-        </p:nvCxnSpPr>
-        <p:spPr>
-          <a:xfrm>
-            <a:off x="1602658" y="1670080"/>
-            <a:ext cx="78658" cy="3658498"/>
-          </a:xfrm>
-          <a:prstGeom prst="line">
-            <a:avLst/>
-          </a:prstGeom>
-        </p:spPr>
-        <p:style>
-          <a:lnRef idx="1">
-            <a:schemeClr val="accent1"/>
-          </a:lnRef>
-          <a:fillRef idx="0">
-            <a:schemeClr val="accent1"/>
-          </a:fillRef>
-          <a:effectRef idx="0">
-            <a:schemeClr val="accent1"/>
-          </a:effectRef>
-          <a:fontRef idx="minor">
-            <a:schemeClr val="tx1"/>
-          </a:fontRef>
-        </p:style>
-      </p:cxnSp>
-      <p:cxnSp>
-        <p:nvCxnSpPr>
-          <p:cNvPr id="36" name="Straight Connector 35">
-            <a:extLst>
-              <a:ext uri="{FF2B5EF4-FFF2-40B4-BE49-F238E27FC236}">
-                <a16:creationId xmlns:a16="http://schemas.microsoft.com/office/drawing/2014/main" id="{4BC6D775-AA52-A5B1-D3D4-A2CCCAA9AFB1}"/>
-              </a:ext>
-            </a:extLst>
-          </p:cNvPr>
-          <p:cNvCxnSpPr>
-            <a:cxnSpLocks/>
-          </p:cNvCxnSpPr>
-          <p:nvPr/>
-        </p:nvCxnSpPr>
-        <p:spPr>
-          <a:xfrm>
-            <a:off x="1681316" y="5328580"/>
-            <a:ext cx="365760" cy="0"/>
-          </a:xfrm>
-          <a:prstGeom prst="line">
-            <a:avLst/>
-          </a:prstGeom>
-        </p:spPr>
-        <p:style>
-          <a:lnRef idx="1">
-            <a:schemeClr val="accent1"/>
-          </a:lnRef>
-          <a:fillRef idx="0">
-            <a:schemeClr val="accent1"/>
-          </a:fillRef>
-          <a:effectRef idx="0">
-            <a:schemeClr val="accent1"/>
-          </a:effectRef>
-          <a:fontRef idx="minor">
-            <a:schemeClr val="tx1"/>
-          </a:fontRef>
-        </p:style>
-      </p:cxnSp>
       <p:sp>
         <p:nvSpPr>
           <p:cNvPr id="43" name="TextBox 42">
@@ -12137,7 +11963,7 @@
         </p:nvSpPr>
         <p:spPr>
           <a:xfrm>
-            <a:off x="495519" y="3212049"/>
+            <a:off x="585468" y="5426110"/>
             <a:ext cx="1146468" cy="276999"/>
           </a:xfrm>
           <a:prstGeom prst="rect">
@@ -12160,6 +11986,178 @@
           </a:p>
         </p:txBody>
       </p:sp>
+      <p:pic>
+        <p:nvPicPr>
+          <p:cNvPr id="5" name="Picture 4">
+            <a:extLst>
+              <a:ext uri="{FF2B5EF4-FFF2-40B4-BE49-F238E27FC236}">
+                <a16:creationId xmlns:a16="http://schemas.microsoft.com/office/drawing/2014/main" id="{14D9DCD2-D3EA-4558-A682-CDAD8D85A150}"/>
+              </a:ext>
+            </a:extLst>
+          </p:cNvPr>
+          <p:cNvPicPr>
+            <a:picLocks noChangeAspect="1"/>
+          </p:cNvPicPr>
+          <p:nvPr/>
+        </p:nvPicPr>
+        <p:blipFill>
+          <a:blip r:embed="rId2"/>
+          <a:stretch>
+            <a:fillRect/>
+          </a:stretch>
+        </p:blipFill>
+        <p:spPr>
+          <a:xfrm>
+            <a:off x="1247192" y="451715"/>
+            <a:ext cx="4514141" cy="4856368"/>
+          </a:xfrm>
+          <a:prstGeom prst="rect">
+            <a:avLst/>
+          </a:prstGeom>
+        </p:spPr>
+      </p:pic>
+      <p:pic>
+        <p:nvPicPr>
+          <p:cNvPr id="9" name="Picture 8">
+            <a:extLst>
+              <a:ext uri="{FF2B5EF4-FFF2-40B4-BE49-F238E27FC236}">
+                <a16:creationId xmlns:a16="http://schemas.microsoft.com/office/drawing/2014/main" id="{8E1C1AE8-6723-293C-CF60-8F16E989B3E5}"/>
+              </a:ext>
+            </a:extLst>
+          </p:cNvPr>
+          <p:cNvPicPr>
+            <a:picLocks noChangeAspect="1"/>
+          </p:cNvPicPr>
+          <p:nvPr/>
+        </p:nvPicPr>
+        <p:blipFill>
+          <a:blip r:embed="rId3"/>
+          <a:stretch>
+            <a:fillRect/>
+          </a:stretch>
+        </p:blipFill>
+        <p:spPr>
+          <a:xfrm>
+            <a:off x="5688960" y="333688"/>
+            <a:ext cx="6503040" cy="5092422"/>
+          </a:xfrm>
+          <a:prstGeom prst="rect">
+            <a:avLst/>
+          </a:prstGeom>
+        </p:spPr>
+      </p:pic>
+      <p:cxnSp>
+        <p:nvCxnSpPr>
+          <p:cNvPr id="11" name="Straight Connector 10">
+            <a:extLst>
+              <a:ext uri="{FF2B5EF4-FFF2-40B4-BE49-F238E27FC236}">
+                <a16:creationId xmlns:a16="http://schemas.microsoft.com/office/drawing/2014/main" id="{BE80CEC3-FF63-21B6-E3E0-2A8787C8F888}"/>
+              </a:ext>
+            </a:extLst>
+          </p:cNvPr>
+          <p:cNvCxnSpPr/>
+          <p:nvPr/>
+        </p:nvCxnSpPr>
+        <p:spPr>
+          <a:xfrm>
+            <a:off x="853902" y="1691148"/>
+            <a:ext cx="609600" cy="0"/>
+          </a:xfrm>
+          <a:prstGeom prst="line">
+            <a:avLst/>
+          </a:prstGeom>
+        </p:spPr>
+        <p:style>
+          <a:lnRef idx="3">
+            <a:schemeClr val="dk1"/>
+          </a:lnRef>
+          <a:fillRef idx="0">
+            <a:schemeClr val="dk1"/>
+          </a:fillRef>
+          <a:effectRef idx="2">
+            <a:schemeClr val="dk1"/>
+          </a:effectRef>
+          <a:fontRef idx="minor">
+            <a:schemeClr val="tx1"/>
+          </a:fontRef>
+        </p:style>
+      </p:cxnSp>
+      <p:cxnSp>
+        <p:nvCxnSpPr>
+          <p:cNvPr id="12" name="Straight Connector 11">
+            <a:extLst>
+              <a:ext uri="{FF2B5EF4-FFF2-40B4-BE49-F238E27FC236}">
+                <a16:creationId xmlns:a16="http://schemas.microsoft.com/office/drawing/2014/main" id="{4CE738B9-13B0-9860-8A85-248FF0884A0F}"/>
+              </a:ext>
+            </a:extLst>
+          </p:cNvPr>
+          <p:cNvCxnSpPr>
+            <a:cxnSpLocks/>
+          </p:cNvCxnSpPr>
+          <p:nvPr/>
+        </p:nvCxnSpPr>
+        <p:spPr>
+          <a:xfrm>
+            <a:off x="853902" y="5308083"/>
+            <a:ext cx="670098" cy="0"/>
+          </a:xfrm>
+          <a:prstGeom prst="line">
+            <a:avLst/>
+          </a:prstGeom>
+        </p:spPr>
+        <p:style>
+          <a:lnRef idx="3">
+            <a:schemeClr val="dk1"/>
+          </a:lnRef>
+          <a:fillRef idx="0">
+            <a:schemeClr val="dk1"/>
+          </a:fillRef>
+          <a:effectRef idx="2">
+            <a:schemeClr val="dk1"/>
+          </a:effectRef>
+          <a:fontRef idx="minor">
+            <a:schemeClr val="tx1"/>
+          </a:fontRef>
+        </p:style>
+      </p:cxnSp>
+      <p:cxnSp>
+        <p:nvCxnSpPr>
+          <p:cNvPr id="14" name="Straight Connector 13">
+            <a:extLst>
+              <a:ext uri="{FF2B5EF4-FFF2-40B4-BE49-F238E27FC236}">
+                <a16:creationId xmlns:a16="http://schemas.microsoft.com/office/drawing/2014/main" id="{173080F4-0CAE-EE50-C37B-BE5F84FDE526}"/>
+              </a:ext>
+            </a:extLst>
+          </p:cNvPr>
+          <p:cNvCxnSpPr>
+            <a:cxnSpLocks/>
+          </p:cNvCxnSpPr>
+          <p:nvPr/>
+        </p:nvCxnSpPr>
+        <p:spPr>
+          <a:xfrm>
+            <a:off x="853902" y="1691146"/>
+            <a:ext cx="0" cy="3616937"/>
+          </a:xfrm>
+          <a:prstGeom prst="line">
+            <a:avLst/>
+          </a:prstGeom>
+        </p:spPr>
+        <p:style>
+          <a:lnRef idx="3">
+            <a:schemeClr val="dk1"/>
+          </a:lnRef>
+          <a:fillRef idx="0">
+            <a:schemeClr val="dk1"/>
+          </a:fillRef>
+          <a:effectRef idx="2">
+            <a:schemeClr val="dk1"/>
+          </a:effectRef>
+          <a:fontRef idx="minor">
+            <a:schemeClr val="tx1"/>
+          </a:fontRef>
+        </p:style>
+      </p:cxnSp>
     </p:spTree>
     <p:extLst>
       <p:ext uri="{BB962C8B-B14F-4D97-AF65-F5344CB8AC3E}">
